--- a/Session 11.pptx
+++ b/Session 11.pptx
@@ -244,7 +244,7 @@
           <a:p>
             <a:fld id="{471E68FF-328F-104F-BC80-393576CFDC5A}" type="datetimeFigureOut">
               <a:rPr lang="en-US" smtClean="0"/>
-              <a:t>5/20/20</a:t>
+              <a:t>5/26/20</a:t>
             </a:fld>
             <a:endParaRPr lang="en-US"/>
           </a:p>
@@ -409,7 +409,7 @@
           <a:p>
             <a:fld id="{471E68FF-328F-104F-BC80-393576CFDC5A}" type="datetimeFigureOut">
               <a:rPr lang="en-US" smtClean="0"/>
-              <a:t>5/20/20</a:t>
+              <a:t>5/26/20</a:t>
             </a:fld>
             <a:endParaRPr lang="en-US"/>
           </a:p>
@@ -584,7 +584,7 @@
           <a:p>
             <a:fld id="{471E68FF-328F-104F-BC80-393576CFDC5A}" type="datetimeFigureOut">
               <a:rPr lang="en-US" smtClean="0"/>
-              <a:t>5/20/20</a:t>
+              <a:t>5/26/20</a:t>
             </a:fld>
             <a:endParaRPr lang="en-US"/>
           </a:p>
@@ -749,7 +749,7 @@
           <a:p>
             <a:fld id="{471E68FF-328F-104F-BC80-393576CFDC5A}" type="datetimeFigureOut">
               <a:rPr lang="en-US" smtClean="0"/>
-              <a:t>5/20/20</a:t>
+              <a:t>5/26/20</a:t>
             </a:fld>
             <a:endParaRPr lang="en-US"/>
           </a:p>
@@ -988,7 +988,7 @@
           <a:p>
             <a:fld id="{471E68FF-328F-104F-BC80-393576CFDC5A}" type="datetimeFigureOut">
               <a:rPr lang="en-US" smtClean="0"/>
-              <a:t>5/20/20</a:t>
+              <a:t>5/26/20</a:t>
             </a:fld>
             <a:endParaRPr lang="en-US"/>
           </a:p>
@@ -1215,7 +1215,7 @@
           <a:p>
             <a:fld id="{471E68FF-328F-104F-BC80-393576CFDC5A}" type="datetimeFigureOut">
               <a:rPr lang="en-US" smtClean="0"/>
-              <a:t>5/20/20</a:t>
+              <a:t>5/26/20</a:t>
             </a:fld>
             <a:endParaRPr lang="en-US"/>
           </a:p>
@@ -1577,7 +1577,7 @@
           <a:p>
             <a:fld id="{471E68FF-328F-104F-BC80-393576CFDC5A}" type="datetimeFigureOut">
               <a:rPr lang="en-US" smtClean="0"/>
-              <a:t>5/20/20</a:t>
+              <a:t>5/26/20</a:t>
             </a:fld>
             <a:endParaRPr lang="en-US"/>
           </a:p>
@@ -1690,7 +1690,7 @@
           <a:p>
             <a:fld id="{471E68FF-328F-104F-BC80-393576CFDC5A}" type="datetimeFigureOut">
               <a:rPr lang="en-US" smtClean="0"/>
-              <a:t>5/20/20</a:t>
+              <a:t>5/26/20</a:t>
             </a:fld>
             <a:endParaRPr lang="en-US"/>
           </a:p>
@@ -1780,7 +1780,7 @@
           <a:p>
             <a:fld id="{471E68FF-328F-104F-BC80-393576CFDC5A}" type="datetimeFigureOut">
               <a:rPr lang="en-US" smtClean="0"/>
-              <a:t>5/20/20</a:t>
+              <a:t>5/26/20</a:t>
             </a:fld>
             <a:endParaRPr lang="en-US"/>
           </a:p>
@@ -2052,7 +2052,7 @@
           <a:p>
             <a:fld id="{471E68FF-328F-104F-BC80-393576CFDC5A}" type="datetimeFigureOut">
               <a:rPr lang="en-US" smtClean="0"/>
-              <a:t>5/20/20</a:t>
+              <a:t>5/26/20</a:t>
             </a:fld>
             <a:endParaRPr lang="en-US"/>
           </a:p>
@@ -2304,7 +2304,7 @@
           <a:p>
             <a:fld id="{471E68FF-328F-104F-BC80-393576CFDC5A}" type="datetimeFigureOut">
               <a:rPr lang="en-US" smtClean="0"/>
-              <a:t>5/20/20</a:t>
+              <a:t>5/26/20</a:t>
             </a:fld>
             <a:endParaRPr lang="en-US"/>
           </a:p>
@@ -2512,7 +2512,7 @@
           <a:p>
             <a:fld id="{471E68FF-328F-104F-BC80-393576CFDC5A}" type="datetimeFigureOut">
               <a:rPr lang="en-US" smtClean="0"/>
-              <a:t>5/20/20</a:t>
+              <a:t>5/26/20</a:t>
             </a:fld>
             <a:endParaRPr lang="en-US"/>
           </a:p>
@@ -3061,7 +3061,7 @@
         </p:spPr>
         <p:txBody>
           <a:bodyPr>
-            <a:normAutofit fontScale="92500" lnSpcReduction="10000"/>
+            <a:normAutofit fontScale="70000" lnSpcReduction="20000"/>
           </a:bodyPr>
           <a:lstStyle/>
           <a:p>
@@ -3088,7 +3088,14 @@
             <a:pPr lvl="1"/>
             <a:r>
               <a:rPr lang="en-US" dirty="0"/>
-              <a:t>Playground</a:t>
+              <a:t>Playground – IPSO/OMA need update to latest models</a:t>
+            </a:r>
+          </a:p>
+          <a:p>
+            <a:pPr lvl="2"/>
+            <a:r>
+              <a:rPr lang="en-US" dirty="0"/>
+              <a:t>Org-specific folders – filenames </a:t>
             </a:r>
           </a:p>
           <a:p>
@@ -3114,9 +3121,64 @@
           <a:p>
             <a:pPr lvl="1"/>
             <a:r>
-              <a:rPr lang="en-US" dirty="0"/>
+              <a:rPr lang="en-US" dirty="0">
+                <a:solidFill>
+                  <a:srgbClr val="FF0000"/>
+                </a:solidFill>
+              </a:rPr>
               <a:t>Document updates, writeup of meta-model description, Actions and Events, etc.</a:t>
             </a:r>
+          </a:p>
+          <a:p>
+            <a:pPr lvl="1"/>
+            <a:r>
+              <a:rPr lang="en-US" dirty="0">
+                <a:solidFill>
+                  <a:srgbClr val="FF0000"/>
+                </a:solidFill>
+              </a:rPr>
+              <a:t>Negative examples for test failure cases </a:t>
+            </a:r>
+          </a:p>
+          <a:p>
+            <a:pPr lvl="1"/>
+            <a:r>
+              <a:rPr lang="en-US" dirty="0">
+                <a:solidFill>
+                  <a:srgbClr val="FF0000"/>
+                </a:solidFill>
+              </a:rPr>
+              <a:t>Move the syntax updates into the </a:t>
+            </a:r>
+            <a:r>
+              <a:rPr lang="en-US" dirty="0" err="1">
+                <a:solidFill>
+                  <a:srgbClr val="FF0000"/>
+                </a:solidFill>
+              </a:rPr>
+              <a:t>OneDM</a:t>
+            </a:r>
+            <a:r>
+              <a:rPr lang="en-US" dirty="0">
+                <a:solidFill>
+                  <a:srgbClr val="FF0000"/>
+                </a:solidFill>
+              </a:rPr>
+              <a:t> repo + framework syntax extension points </a:t>
+            </a:r>
+            <a:r>
+              <a:rPr lang="en-US">
+                <a:solidFill>
+                  <a:srgbClr val="FF0000"/>
+                </a:solidFill>
+              </a:rPr>
+              <a:t>removing constraints</a:t>
+            </a:r>
+            <a:endParaRPr lang="en-US" dirty="0">
+              <a:solidFill>
+                <a:srgbClr val="FF0000"/>
+              </a:solidFill>
+            </a:endParaRPr>
           </a:p>
           <a:p>
             <a:pPr lvl="1"/>
@@ -3137,6 +3199,12 @@
             <a:r>
               <a:rPr lang="en-US" dirty="0"/>
               <a:t>Communication plan – what we say; active + responses</a:t>
+            </a:r>
+          </a:p>
+          <a:p>
+            <a:r>
+              <a:rPr lang="en-US" dirty="0"/>
+              <a:t>Schedule and Plan for this week</a:t>
             </a:r>
           </a:p>
         </p:txBody>
